--- a/ppt/算法讲解049【必备】滑动窗口技巧与相关题目.pptx
+++ b/ppt/算法讲解049【必备】滑动窗口技巧与相关题目.pptx
@@ -5404,7 +5404,7 @@
               </a:defRPr>
             </a:pPr>
             <a:r>
-              <a:t>有一个只含有 'Q', 'W', 'E', 'R' 四种字符，且长度为 n 的字符串。</a:t>
+              <a:t>有一个只含有'Q','W','E','R'四种字符，且长度为n的字符串，n一定为4的整数倍</a:t>
             </a:r>
           </a:p>
           <a:p>
@@ -5420,7 +5420,7 @@
               </a:defRPr>
             </a:pPr>
             <a:r>
-              <a:t>假如在该字符串中，这四个字符都恰好出现 n/4 次，那么它就是一个「平衡字符串」。</a:t>
+              <a:t>假如在该字符串中，这四个字符都恰好出现 n/4 次，那么它就是一个「平衡字符串」</a:t>
             </a:r>
           </a:p>
           <a:p>
@@ -5436,7 +5436,7 @@
               </a:defRPr>
             </a:pPr>
             <a:r>
-              <a:t>给你一个这样的字符串 s，请通过「替换一个子串」的方式，</a:t>
+              <a:t>给你一个这样的字符串s，请通过「替换一个子串」的方式，</a:t>
             </a:r>
           </a:p>
           <a:p>
@@ -5452,7 +5452,7 @@
               </a:defRPr>
             </a:pPr>
             <a:r>
-              <a:t>使原字符串 s 变成一个「平衡字符串」。</a:t>
+              <a:t>使原字符串s变成一个「平衡字符串」</a:t>
             </a:r>
           </a:p>
           <a:p>
@@ -5468,7 +5468,7 @@
               </a:defRPr>
             </a:pPr>
             <a:r>
-              <a:t>你可以用和「待替换子串」长度相同的 任何 其他字符串来完成替换。</a:t>
+              <a:t>子串可以替换成由'Q','W','E','R'四种字符组成的任何样子</a:t>
             </a:r>
           </a:p>
           <a:p>
@@ -5484,7 +5484,7 @@
               </a:defRPr>
             </a:pPr>
             <a:r>
-              <a:t>请返回待替换子串的最小可能长度。</a:t>
+              <a:t>请返回待替换子串的最小可能长度</a:t>
             </a:r>
           </a:p>
           <a:p>
@@ -5500,7 +5500,7 @@
               </a:defRPr>
             </a:pPr>
             <a:r>
-              <a:t>如果原字符串自身就是一个平衡字符串，则返回 0。</a:t>
+              <a:t>如果原字符串自身就是一个平衡字符串，则返回0</a:t>
             </a:r>
           </a:p>
           <a:p>
